--- a/zr/sumulation final.pptx
+++ b/zr/sumulation final.pptx
@@ -5,10 +5,10 @@
     <p:sldMasterId id="2147483698" r:id="rId1"/>
   </p:sldMasterIdLst>
   <p:notesMasterIdLst>
-    <p:notesMasterId r:id="rId12"/>
+    <p:notesMasterId r:id="rId15"/>
   </p:notesMasterIdLst>
   <p:handoutMasterIdLst>
-    <p:handoutMasterId r:id="rId13"/>
+    <p:handoutMasterId r:id="rId16"/>
   </p:handoutMasterIdLst>
   <p:sldIdLst>
     <p:sldId id="330" r:id="rId2"/>
@@ -16,11 +16,14 @@
     <p:sldId id="341" r:id="rId4"/>
     <p:sldId id="331" r:id="rId5"/>
     <p:sldId id="337" r:id="rId6"/>
-    <p:sldId id="332" r:id="rId7"/>
-    <p:sldId id="333" r:id="rId8"/>
-    <p:sldId id="340" r:id="rId9"/>
-    <p:sldId id="334" r:id="rId10"/>
-    <p:sldId id="339" r:id="rId11"/>
+    <p:sldId id="342" r:id="rId7"/>
+    <p:sldId id="340" r:id="rId8"/>
+    <p:sldId id="343" r:id="rId9"/>
+    <p:sldId id="344" r:id="rId10"/>
+    <p:sldId id="332" r:id="rId11"/>
+    <p:sldId id="333" r:id="rId12"/>
+    <p:sldId id="334" r:id="rId13"/>
+    <p:sldId id="339" r:id="rId14"/>
   </p:sldIdLst>
   <p:sldSz cx="9144000" cy="6858000" type="screen4x3"/>
   <p:notesSz cx="7010400" cy="9296400"/>
@@ -4667,7 +4670,7 @@
           <p:cNvPr id="2" name="Title 1">
             <a:extLst>
               <a:ext uri="{FF2B5EF4-FFF2-40B4-BE49-F238E27FC236}">
-                <a16:creationId xmlns:a16="http://schemas.microsoft.com/office/drawing/2014/main" id="{CD187B58-EFAA-454B-A723-3DD6F0D749EB}"/>
+                <a16:creationId xmlns:a16="http://schemas.microsoft.com/office/drawing/2014/main" id="{9A38D11D-6067-664A-8F78-7DBBBE4491AB}"/>
               </a:ext>
             </a:extLst>
           </p:cNvPr>
@@ -4688,7 +4691,7 @@
                 <a:latin typeface="Times New Roman" panose="02020603050405020304" pitchFamily="18" charset="0"/>
                 <a:cs typeface="Times New Roman" panose="02020603050405020304" pitchFamily="18" charset="0"/>
               </a:rPr>
-              <a:t>Future to Do</a:t>
+              <a:t>Assumption</a:t>
             </a:r>
           </a:p>
         </p:txBody>
@@ -4698,7 +4701,7 @@
           <p:cNvPr id="3" name="Content Placeholder 2">
             <a:extLst>
               <a:ext uri="{FF2B5EF4-FFF2-40B4-BE49-F238E27FC236}">
-                <a16:creationId xmlns:a16="http://schemas.microsoft.com/office/drawing/2014/main" id="{291699FF-0094-534D-AF59-E4A8ADC58988}"/>
+                <a16:creationId xmlns:a16="http://schemas.microsoft.com/office/drawing/2014/main" id="{C7E98DF3-D1C7-3C45-9D62-2813BA68BE9C}"/>
               </a:ext>
             </a:extLst>
           </p:cNvPr>
@@ -4714,7 +4717,7 @@
           <a:bodyPr/>
           <a:lstStyle/>
           <a:p>
-            <a:endParaRPr lang="en-US" dirty="0">
+            <a:endParaRPr lang="en-US">
               <a:latin typeface="Times New Roman" panose="02020603050405020304" pitchFamily="18" charset="0"/>
               <a:cs typeface="Times New Roman" panose="02020603050405020304" pitchFamily="18" charset="0"/>
             </a:endParaRPr>
@@ -4726,7 +4729,7 @@
           <p:cNvPr id="4" name="Date Placeholder 3">
             <a:extLst>
               <a:ext uri="{FF2B5EF4-FFF2-40B4-BE49-F238E27FC236}">
-                <a16:creationId xmlns:a16="http://schemas.microsoft.com/office/drawing/2014/main" id="{F7F48297-E556-584E-B51B-26D045520445}"/>
+                <a16:creationId xmlns:a16="http://schemas.microsoft.com/office/drawing/2014/main" id="{0AC531EC-C243-634D-B6E7-439D669C99FC}"/>
               </a:ext>
             </a:extLst>
           </p:cNvPr>
@@ -4762,7 +4765,7 @@
           <p:cNvPr id="5" name="Footer Placeholder 4">
             <a:extLst>
               <a:ext uri="{FF2B5EF4-FFF2-40B4-BE49-F238E27FC236}">
-                <a16:creationId xmlns:a16="http://schemas.microsoft.com/office/drawing/2014/main" id="{6C6C34C9-231C-F540-A288-A62EEA1B24F2}"/>
+                <a16:creationId xmlns:a16="http://schemas.microsoft.com/office/drawing/2014/main" id="{753CC8CF-27EA-1F4D-B742-D68803C5F9E7}"/>
               </a:ext>
             </a:extLst>
           </p:cNvPr>
@@ -4798,7 +4801,7 @@
           <p:cNvPr id="6" name="Slide Number Placeholder 5">
             <a:extLst>
               <a:ext uri="{FF2B5EF4-FFF2-40B4-BE49-F238E27FC236}">
-                <a16:creationId xmlns:a16="http://schemas.microsoft.com/office/drawing/2014/main" id="{766A8F86-F61F-5049-81EB-D2697F65F428}"/>
+                <a16:creationId xmlns:a16="http://schemas.microsoft.com/office/drawing/2014/main" id="{8C8B3BCF-BCC2-6E41-9EC4-E2A9AEBD4A47}"/>
               </a:ext>
             </a:extLst>
           </p:cNvPr>
@@ -4825,6 +4828,634 @@
                 <a:defRPr/>
               </a:pPr>
               <a:t>10</a:t>
+            </a:fld>
+            <a:endParaRPr lang="en-US" dirty="0">
+              <a:cs typeface="Times New Roman" panose="02020603050405020304" pitchFamily="18" charset="0"/>
+            </a:endParaRPr>
+          </a:p>
+        </p:txBody>
+      </p:sp>
+    </p:spTree>
+    <p:extLst>
+      <p:ext uri="{BB962C8B-B14F-4D97-AF65-F5344CB8AC3E}">
+        <p14:creationId xmlns:p14="http://schemas.microsoft.com/office/powerpoint/2010/main" val="2795746341"/>
+      </p:ext>
+    </p:extLst>
+  </p:cSld>
+  <p:clrMapOvr>
+    <a:masterClrMapping/>
+  </p:clrMapOvr>
+</p:sld>
+</file>
+
+<file path=ppt/slides/slide11.xml><?xml version="1.0" encoding="utf-8"?>
+<p:sld xmlns:a="http://schemas.openxmlformats.org/drawingml/2006/main" xmlns:r="http://schemas.openxmlformats.org/officeDocument/2006/relationships" xmlns:p="http://schemas.openxmlformats.org/presentationml/2006/main">
+  <p:cSld>
+    <p:spTree>
+      <p:nvGrpSpPr>
+        <p:cNvPr id="1" name=""/>
+        <p:cNvGrpSpPr/>
+        <p:nvPr/>
+      </p:nvGrpSpPr>
+      <p:grpSpPr>
+        <a:xfrm>
+          <a:off x="0" y="0"/>
+          <a:ext cx="0" cy="0"/>
+          <a:chOff x="0" y="0"/>
+          <a:chExt cx="0" cy="0"/>
+        </a:xfrm>
+      </p:grpSpPr>
+      <p:sp>
+        <p:nvSpPr>
+          <p:cNvPr id="2" name="Title 1">
+            <a:extLst>
+              <a:ext uri="{FF2B5EF4-FFF2-40B4-BE49-F238E27FC236}">
+                <a16:creationId xmlns:a16="http://schemas.microsoft.com/office/drawing/2014/main" id="{C9BEDE47-63E5-D247-9260-032A81FB7091}"/>
+              </a:ext>
+            </a:extLst>
+          </p:cNvPr>
+          <p:cNvSpPr>
+            <a:spLocks noGrp="1"/>
+          </p:cNvSpPr>
+          <p:nvPr>
+            <p:ph type="title"/>
+          </p:nvPr>
+        </p:nvSpPr>
+        <p:spPr/>
+        <p:txBody>
+          <a:bodyPr/>
+          <a:lstStyle/>
+          <a:p>
+            <a:r>
+              <a:rPr lang="en-US" dirty="0">
+                <a:latin typeface="Times New Roman" panose="02020603050405020304" pitchFamily="18" charset="0"/>
+                <a:cs typeface="Times New Roman" panose="02020603050405020304" pitchFamily="18" charset="0"/>
+              </a:rPr>
+              <a:t>Math Model</a:t>
+            </a:r>
+          </a:p>
+        </p:txBody>
+      </p:sp>
+      <p:sp>
+        <p:nvSpPr>
+          <p:cNvPr id="3" name="Content Placeholder 2">
+            <a:extLst>
+              <a:ext uri="{FF2B5EF4-FFF2-40B4-BE49-F238E27FC236}">
+                <a16:creationId xmlns:a16="http://schemas.microsoft.com/office/drawing/2014/main" id="{2E65726B-01AC-1647-960C-C24CC1B7F916}"/>
+              </a:ext>
+            </a:extLst>
+          </p:cNvPr>
+          <p:cNvSpPr>
+            <a:spLocks noGrp="1"/>
+          </p:cNvSpPr>
+          <p:nvPr>
+            <p:ph idx="1"/>
+          </p:nvPr>
+        </p:nvSpPr>
+        <p:spPr/>
+        <p:txBody>
+          <a:bodyPr/>
+          <a:lstStyle/>
+          <a:p>
+            <a:r>
+              <a:rPr lang="en-US" dirty="0">
+                <a:latin typeface="Times New Roman" panose="02020603050405020304" pitchFamily="18" charset="0"/>
+                <a:cs typeface="Times New Roman" panose="02020603050405020304" pitchFamily="18" charset="0"/>
+              </a:rPr>
+              <a:t>Decision Variables</a:t>
+            </a:r>
+          </a:p>
+          <a:p>
+            <a:r>
+              <a:rPr lang="en-US" dirty="0">
+                <a:latin typeface="Times New Roman" panose="02020603050405020304" pitchFamily="18" charset="0"/>
+                <a:cs typeface="Times New Roman" panose="02020603050405020304" pitchFamily="18" charset="0"/>
+              </a:rPr>
+              <a:t>Objective Function</a:t>
+            </a:r>
+          </a:p>
+          <a:p>
+            <a:r>
+              <a:rPr lang="en-US" dirty="0">
+                <a:latin typeface="Times New Roman" panose="02020603050405020304" pitchFamily="18" charset="0"/>
+                <a:cs typeface="Times New Roman" panose="02020603050405020304" pitchFamily="18" charset="0"/>
+              </a:rPr>
+              <a:t>Constraints</a:t>
+            </a:r>
+          </a:p>
+          <a:p>
+            <a:endParaRPr lang="en-US" dirty="0">
+              <a:latin typeface="Times New Roman" panose="02020603050405020304" pitchFamily="18" charset="0"/>
+              <a:cs typeface="Times New Roman" panose="02020603050405020304" pitchFamily="18" charset="0"/>
+            </a:endParaRPr>
+          </a:p>
+        </p:txBody>
+      </p:sp>
+      <p:sp>
+        <p:nvSpPr>
+          <p:cNvPr id="4" name="Date Placeholder 3">
+            <a:extLst>
+              <a:ext uri="{FF2B5EF4-FFF2-40B4-BE49-F238E27FC236}">
+                <a16:creationId xmlns:a16="http://schemas.microsoft.com/office/drawing/2014/main" id="{E235F2DA-A17C-A341-A61F-7508954C7D6F}"/>
+              </a:ext>
+            </a:extLst>
+          </p:cNvPr>
+          <p:cNvSpPr>
+            <a:spLocks noGrp="1"/>
+          </p:cNvSpPr>
+          <p:nvPr>
+            <p:ph type="dt" sz="half" idx="10"/>
+          </p:nvPr>
+        </p:nvSpPr>
+        <p:spPr/>
+        <p:txBody>
+          <a:bodyPr/>
+          <a:lstStyle/>
+          <a:p>
+            <a:pPr>
+              <a:defRPr/>
+            </a:pPr>
+            <a:r>
+              <a:rPr lang="en-US">
+                <a:cs typeface="Times New Roman" panose="02020603050405020304" pitchFamily="18" charset="0"/>
+              </a:rPr>
+              <a:t>November 26</a:t>
+            </a:r>
+            <a:endParaRPr lang="en-US" dirty="0">
+              <a:cs typeface="Times New Roman" panose="02020603050405020304" pitchFamily="18" charset="0"/>
+            </a:endParaRPr>
+          </a:p>
+        </p:txBody>
+      </p:sp>
+      <p:sp>
+        <p:nvSpPr>
+          <p:cNvPr id="5" name="Footer Placeholder 4">
+            <a:extLst>
+              <a:ext uri="{FF2B5EF4-FFF2-40B4-BE49-F238E27FC236}">
+                <a16:creationId xmlns:a16="http://schemas.microsoft.com/office/drawing/2014/main" id="{ED4E00F7-B50B-9046-9CDD-B45CC9C638B2}"/>
+              </a:ext>
+            </a:extLst>
+          </p:cNvPr>
+          <p:cNvSpPr>
+            <a:spLocks noGrp="1"/>
+          </p:cNvSpPr>
+          <p:nvPr>
+            <p:ph type="ftr" sz="quarter" idx="11"/>
+          </p:nvPr>
+        </p:nvSpPr>
+        <p:spPr/>
+        <p:txBody>
+          <a:bodyPr/>
+          <a:lstStyle/>
+          <a:p>
+            <a:pPr>
+              <a:defRPr/>
+            </a:pPr>
+            <a:r>
+              <a:rPr lang="en-US">
+                <a:cs typeface="Times New Roman" panose="02020603050405020304" pitchFamily="18" charset="0"/>
+              </a:rPr>
+              <a:t>IE 526  Final Project</a:t>
+            </a:r>
+            <a:endParaRPr lang="en-US" dirty="0">
+              <a:cs typeface="Times New Roman" panose="02020603050405020304" pitchFamily="18" charset="0"/>
+            </a:endParaRPr>
+          </a:p>
+        </p:txBody>
+      </p:sp>
+      <p:sp>
+        <p:nvSpPr>
+          <p:cNvPr id="6" name="Slide Number Placeholder 5">
+            <a:extLst>
+              <a:ext uri="{FF2B5EF4-FFF2-40B4-BE49-F238E27FC236}">
+                <a16:creationId xmlns:a16="http://schemas.microsoft.com/office/drawing/2014/main" id="{C7EAA511-8C8D-7F43-8BF3-7BDC311BE4EE}"/>
+              </a:ext>
+            </a:extLst>
+          </p:cNvPr>
+          <p:cNvSpPr>
+            <a:spLocks noGrp="1"/>
+          </p:cNvSpPr>
+          <p:nvPr>
+            <p:ph type="sldNum" sz="quarter" idx="12"/>
+          </p:nvPr>
+        </p:nvSpPr>
+        <p:spPr/>
+        <p:txBody>
+          <a:bodyPr/>
+          <a:lstStyle/>
+          <a:p>
+            <a:pPr>
+              <a:defRPr/>
+            </a:pPr>
+            <a:fld id="{61875079-2EDC-4E24-99D6-3E823A45791C}" type="slidenum">
+              <a:rPr lang="en-US" smtClean="0">
+                <a:cs typeface="Times New Roman" panose="02020603050405020304" pitchFamily="18" charset="0"/>
+              </a:rPr>
+              <a:pPr>
+                <a:defRPr/>
+              </a:pPr>
+              <a:t>11</a:t>
+            </a:fld>
+            <a:endParaRPr lang="en-US" dirty="0">
+              <a:cs typeface="Times New Roman" panose="02020603050405020304" pitchFamily="18" charset="0"/>
+            </a:endParaRPr>
+          </a:p>
+        </p:txBody>
+      </p:sp>
+    </p:spTree>
+    <p:extLst>
+      <p:ext uri="{BB962C8B-B14F-4D97-AF65-F5344CB8AC3E}">
+        <p14:creationId xmlns:p14="http://schemas.microsoft.com/office/powerpoint/2010/main" val="1549374694"/>
+      </p:ext>
+    </p:extLst>
+  </p:cSld>
+  <p:clrMapOvr>
+    <a:masterClrMapping/>
+  </p:clrMapOvr>
+</p:sld>
+</file>
+
+<file path=ppt/slides/slide12.xml><?xml version="1.0" encoding="utf-8"?>
+<p:sld xmlns:a="http://schemas.openxmlformats.org/drawingml/2006/main" xmlns:r="http://schemas.openxmlformats.org/officeDocument/2006/relationships" xmlns:p="http://schemas.openxmlformats.org/presentationml/2006/main">
+  <p:cSld>
+    <p:spTree>
+      <p:nvGrpSpPr>
+        <p:cNvPr id="1" name=""/>
+        <p:cNvGrpSpPr/>
+        <p:nvPr/>
+      </p:nvGrpSpPr>
+      <p:grpSpPr>
+        <a:xfrm>
+          <a:off x="0" y="0"/>
+          <a:ext cx="0" cy="0"/>
+          <a:chOff x="0" y="0"/>
+          <a:chExt cx="0" cy="0"/>
+        </a:xfrm>
+      </p:grpSpPr>
+      <p:sp>
+        <p:nvSpPr>
+          <p:cNvPr id="2" name="Title 1">
+            <a:extLst>
+              <a:ext uri="{FF2B5EF4-FFF2-40B4-BE49-F238E27FC236}">
+                <a16:creationId xmlns:a16="http://schemas.microsoft.com/office/drawing/2014/main" id="{E609BDEF-CB22-0D44-9AAF-2AF341FCBD7D}"/>
+              </a:ext>
+            </a:extLst>
+          </p:cNvPr>
+          <p:cNvSpPr>
+            <a:spLocks noGrp="1"/>
+          </p:cNvSpPr>
+          <p:nvPr>
+            <p:ph type="title"/>
+          </p:nvPr>
+        </p:nvSpPr>
+        <p:spPr/>
+        <p:txBody>
+          <a:bodyPr/>
+          <a:lstStyle/>
+          <a:p>
+            <a:r>
+              <a:rPr lang="en-US" dirty="0">
+                <a:latin typeface="Times New Roman" panose="02020603050405020304" pitchFamily="18" charset="0"/>
+                <a:cs typeface="Times New Roman" panose="02020603050405020304" pitchFamily="18" charset="0"/>
+              </a:rPr>
+              <a:t>How we code</a:t>
+            </a:r>
+          </a:p>
+        </p:txBody>
+      </p:sp>
+      <p:sp>
+        <p:nvSpPr>
+          <p:cNvPr id="3" name="Content Placeholder 2">
+            <a:extLst>
+              <a:ext uri="{FF2B5EF4-FFF2-40B4-BE49-F238E27FC236}">
+                <a16:creationId xmlns:a16="http://schemas.microsoft.com/office/drawing/2014/main" id="{0BDCEDBC-80DF-C443-8882-203FDD6A04FC}"/>
+              </a:ext>
+            </a:extLst>
+          </p:cNvPr>
+          <p:cNvSpPr>
+            <a:spLocks noGrp="1"/>
+          </p:cNvSpPr>
+          <p:nvPr>
+            <p:ph idx="1"/>
+          </p:nvPr>
+        </p:nvSpPr>
+        <p:spPr/>
+        <p:txBody>
+          <a:bodyPr/>
+          <a:lstStyle/>
+          <a:p>
+            <a:pPr lvl="1"/>
+            <a:endParaRPr lang="en-US" dirty="0">
+              <a:latin typeface="Times New Roman" panose="02020603050405020304" pitchFamily="18" charset="0"/>
+              <a:cs typeface="Times New Roman" panose="02020603050405020304" pitchFamily="18" charset="0"/>
+            </a:endParaRPr>
+          </a:p>
+        </p:txBody>
+      </p:sp>
+      <p:sp>
+        <p:nvSpPr>
+          <p:cNvPr id="4" name="Date Placeholder 3">
+            <a:extLst>
+              <a:ext uri="{FF2B5EF4-FFF2-40B4-BE49-F238E27FC236}">
+                <a16:creationId xmlns:a16="http://schemas.microsoft.com/office/drawing/2014/main" id="{D6A29B40-3E9D-9841-9BFA-53657C7C8BC8}"/>
+              </a:ext>
+            </a:extLst>
+          </p:cNvPr>
+          <p:cNvSpPr>
+            <a:spLocks noGrp="1"/>
+          </p:cNvSpPr>
+          <p:nvPr>
+            <p:ph type="dt" sz="half" idx="10"/>
+          </p:nvPr>
+        </p:nvSpPr>
+        <p:spPr/>
+        <p:txBody>
+          <a:bodyPr/>
+          <a:lstStyle/>
+          <a:p>
+            <a:pPr>
+              <a:defRPr/>
+            </a:pPr>
+            <a:r>
+              <a:rPr lang="en-US">
+                <a:cs typeface="Times New Roman" panose="02020603050405020304" pitchFamily="18" charset="0"/>
+              </a:rPr>
+              <a:t>November 26</a:t>
+            </a:r>
+            <a:endParaRPr lang="en-US" dirty="0">
+              <a:cs typeface="Times New Roman" panose="02020603050405020304" pitchFamily="18" charset="0"/>
+            </a:endParaRPr>
+          </a:p>
+        </p:txBody>
+      </p:sp>
+      <p:sp>
+        <p:nvSpPr>
+          <p:cNvPr id="5" name="Footer Placeholder 4">
+            <a:extLst>
+              <a:ext uri="{FF2B5EF4-FFF2-40B4-BE49-F238E27FC236}">
+                <a16:creationId xmlns:a16="http://schemas.microsoft.com/office/drawing/2014/main" id="{6D96B1D3-B6EF-934A-875D-748C13B19D0C}"/>
+              </a:ext>
+            </a:extLst>
+          </p:cNvPr>
+          <p:cNvSpPr>
+            <a:spLocks noGrp="1"/>
+          </p:cNvSpPr>
+          <p:nvPr>
+            <p:ph type="ftr" sz="quarter" idx="11"/>
+          </p:nvPr>
+        </p:nvSpPr>
+        <p:spPr/>
+        <p:txBody>
+          <a:bodyPr/>
+          <a:lstStyle/>
+          <a:p>
+            <a:pPr>
+              <a:defRPr/>
+            </a:pPr>
+            <a:r>
+              <a:rPr lang="en-US">
+                <a:cs typeface="Times New Roman" panose="02020603050405020304" pitchFamily="18" charset="0"/>
+              </a:rPr>
+              <a:t>IE 526  Final Project</a:t>
+            </a:r>
+            <a:endParaRPr lang="en-US" dirty="0">
+              <a:cs typeface="Times New Roman" panose="02020603050405020304" pitchFamily="18" charset="0"/>
+            </a:endParaRPr>
+          </a:p>
+        </p:txBody>
+      </p:sp>
+      <p:sp>
+        <p:nvSpPr>
+          <p:cNvPr id="6" name="Slide Number Placeholder 5">
+            <a:extLst>
+              <a:ext uri="{FF2B5EF4-FFF2-40B4-BE49-F238E27FC236}">
+                <a16:creationId xmlns:a16="http://schemas.microsoft.com/office/drawing/2014/main" id="{06D86E0D-E688-4F4D-9F15-8D29A8AEC416}"/>
+              </a:ext>
+            </a:extLst>
+          </p:cNvPr>
+          <p:cNvSpPr>
+            <a:spLocks noGrp="1"/>
+          </p:cNvSpPr>
+          <p:nvPr>
+            <p:ph type="sldNum" sz="quarter" idx="12"/>
+          </p:nvPr>
+        </p:nvSpPr>
+        <p:spPr/>
+        <p:txBody>
+          <a:bodyPr/>
+          <a:lstStyle/>
+          <a:p>
+            <a:pPr>
+              <a:defRPr/>
+            </a:pPr>
+            <a:fld id="{61875079-2EDC-4E24-99D6-3E823A45791C}" type="slidenum">
+              <a:rPr lang="en-US" smtClean="0">
+                <a:cs typeface="Times New Roman" panose="02020603050405020304" pitchFamily="18" charset="0"/>
+              </a:rPr>
+              <a:pPr>
+                <a:defRPr/>
+              </a:pPr>
+              <a:t>12</a:t>
+            </a:fld>
+            <a:endParaRPr lang="en-US" dirty="0">
+              <a:cs typeface="Times New Roman" panose="02020603050405020304" pitchFamily="18" charset="0"/>
+            </a:endParaRPr>
+          </a:p>
+        </p:txBody>
+      </p:sp>
+    </p:spTree>
+    <p:extLst>
+      <p:ext uri="{BB962C8B-B14F-4D97-AF65-F5344CB8AC3E}">
+        <p14:creationId xmlns:p14="http://schemas.microsoft.com/office/powerpoint/2010/main" val="1601205113"/>
+      </p:ext>
+    </p:extLst>
+  </p:cSld>
+  <p:clrMapOvr>
+    <a:masterClrMapping/>
+  </p:clrMapOvr>
+</p:sld>
+</file>
+
+<file path=ppt/slides/slide13.xml><?xml version="1.0" encoding="utf-8"?>
+<p:sld xmlns:a="http://schemas.openxmlformats.org/drawingml/2006/main" xmlns:r="http://schemas.openxmlformats.org/officeDocument/2006/relationships" xmlns:p="http://schemas.openxmlformats.org/presentationml/2006/main">
+  <p:cSld>
+    <p:spTree>
+      <p:nvGrpSpPr>
+        <p:cNvPr id="1" name=""/>
+        <p:cNvGrpSpPr/>
+        <p:nvPr/>
+      </p:nvGrpSpPr>
+      <p:grpSpPr>
+        <a:xfrm>
+          <a:off x="0" y="0"/>
+          <a:ext cx="0" cy="0"/>
+          <a:chOff x="0" y="0"/>
+          <a:chExt cx="0" cy="0"/>
+        </a:xfrm>
+      </p:grpSpPr>
+      <p:sp>
+        <p:nvSpPr>
+          <p:cNvPr id="2" name="Title 1">
+            <a:extLst>
+              <a:ext uri="{FF2B5EF4-FFF2-40B4-BE49-F238E27FC236}">
+                <a16:creationId xmlns:a16="http://schemas.microsoft.com/office/drawing/2014/main" id="{CD187B58-EFAA-454B-A723-3DD6F0D749EB}"/>
+              </a:ext>
+            </a:extLst>
+          </p:cNvPr>
+          <p:cNvSpPr>
+            <a:spLocks noGrp="1"/>
+          </p:cNvSpPr>
+          <p:nvPr>
+            <p:ph type="title"/>
+          </p:nvPr>
+        </p:nvSpPr>
+        <p:spPr/>
+        <p:txBody>
+          <a:bodyPr/>
+          <a:lstStyle/>
+          <a:p>
+            <a:r>
+              <a:rPr lang="en-US" dirty="0">
+                <a:latin typeface="Times New Roman" panose="02020603050405020304" pitchFamily="18" charset="0"/>
+                <a:cs typeface="Times New Roman" panose="02020603050405020304" pitchFamily="18" charset="0"/>
+              </a:rPr>
+              <a:t>Future to Do</a:t>
+            </a:r>
+          </a:p>
+        </p:txBody>
+      </p:sp>
+      <p:sp>
+        <p:nvSpPr>
+          <p:cNvPr id="3" name="Content Placeholder 2">
+            <a:extLst>
+              <a:ext uri="{FF2B5EF4-FFF2-40B4-BE49-F238E27FC236}">
+                <a16:creationId xmlns:a16="http://schemas.microsoft.com/office/drawing/2014/main" id="{291699FF-0094-534D-AF59-E4A8ADC58988}"/>
+              </a:ext>
+            </a:extLst>
+          </p:cNvPr>
+          <p:cNvSpPr>
+            <a:spLocks noGrp="1"/>
+          </p:cNvSpPr>
+          <p:nvPr>
+            <p:ph idx="1"/>
+          </p:nvPr>
+        </p:nvSpPr>
+        <p:spPr/>
+        <p:txBody>
+          <a:bodyPr/>
+          <a:lstStyle/>
+          <a:p>
+            <a:endParaRPr lang="en-US" dirty="0">
+              <a:latin typeface="Times New Roman" panose="02020603050405020304" pitchFamily="18" charset="0"/>
+              <a:cs typeface="Times New Roman" panose="02020603050405020304" pitchFamily="18" charset="0"/>
+            </a:endParaRPr>
+          </a:p>
+        </p:txBody>
+      </p:sp>
+      <p:sp>
+        <p:nvSpPr>
+          <p:cNvPr id="4" name="Date Placeholder 3">
+            <a:extLst>
+              <a:ext uri="{FF2B5EF4-FFF2-40B4-BE49-F238E27FC236}">
+                <a16:creationId xmlns:a16="http://schemas.microsoft.com/office/drawing/2014/main" id="{F7F48297-E556-584E-B51B-26D045520445}"/>
+              </a:ext>
+            </a:extLst>
+          </p:cNvPr>
+          <p:cNvSpPr>
+            <a:spLocks noGrp="1"/>
+          </p:cNvSpPr>
+          <p:nvPr>
+            <p:ph type="dt" sz="half" idx="10"/>
+          </p:nvPr>
+        </p:nvSpPr>
+        <p:spPr/>
+        <p:txBody>
+          <a:bodyPr/>
+          <a:lstStyle/>
+          <a:p>
+            <a:pPr>
+              <a:defRPr/>
+            </a:pPr>
+            <a:r>
+              <a:rPr lang="en-US">
+                <a:cs typeface="Times New Roman" panose="02020603050405020304" pitchFamily="18" charset="0"/>
+              </a:rPr>
+              <a:t>November 26</a:t>
+            </a:r>
+            <a:endParaRPr lang="en-US" dirty="0">
+              <a:cs typeface="Times New Roman" panose="02020603050405020304" pitchFamily="18" charset="0"/>
+            </a:endParaRPr>
+          </a:p>
+        </p:txBody>
+      </p:sp>
+      <p:sp>
+        <p:nvSpPr>
+          <p:cNvPr id="5" name="Footer Placeholder 4">
+            <a:extLst>
+              <a:ext uri="{FF2B5EF4-FFF2-40B4-BE49-F238E27FC236}">
+                <a16:creationId xmlns:a16="http://schemas.microsoft.com/office/drawing/2014/main" id="{6C6C34C9-231C-F540-A288-A62EEA1B24F2}"/>
+              </a:ext>
+            </a:extLst>
+          </p:cNvPr>
+          <p:cNvSpPr>
+            <a:spLocks noGrp="1"/>
+          </p:cNvSpPr>
+          <p:nvPr>
+            <p:ph type="ftr" sz="quarter" idx="11"/>
+          </p:nvPr>
+        </p:nvSpPr>
+        <p:spPr/>
+        <p:txBody>
+          <a:bodyPr/>
+          <a:lstStyle/>
+          <a:p>
+            <a:pPr>
+              <a:defRPr/>
+            </a:pPr>
+            <a:r>
+              <a:rPr lang="en-US">
+                <a:cs typeface="Times New Roman" panose="02020603050405020304" pitchFamily="18" charset="0"/>
+              </a:rPr>
+              <a:t>IE 526  Final Project</a:t>
+            </a:r>
+            <a:endParaRPr lang="en-US" dirty="0">
+              <a:cs typeface="Times New Roman" panose="02020603050405020304" pitchFamily="18" charset="0"/>
+            </a:endParaRPr>
+          </a:p>
+        </p:txBody>
+      </p:sp>
+      <p:sp>
+        <p:nvSpPr>
+          <p:cNvPr id="6" name="Slide Number Placeholder 5">
+            <a:extLst>
+              <a:ext uri="{FF2B5EF4-FFF2-40B4-BE49-F238E27FC236}">
+                <a16:creationId xmlns:a16="http://schemas.microsoft.com/office/drawing/2014/main" id="{766A8F86-F61F-5049-81EB-D2697F65F428}"/>
+              </a:ext>
+            </a:extLst>
+          </p:cNvPr>
+          <p:cNvSpPr>
+            <a:spLocks noGrp="1"/>
+          </p:cNvSpPr>
+          <p:nvPr>
+            <p:ph type="sldNum" sz="quarter" idx="12"/>
+          </p:nvPr>
+        </p:nvSpPr>
+        <p:spPr/>
+        <p:txBody>
+          <a:bodyPr/>
+          <a:lstStyle/>
+          <a:p>
+            <a:pPr>
+              <a:defRPr/>
+            </a:pPr>
+            <a:fld id="{61875079-2EDC-4E24-99D6-3E823A45791C}" type="slidenum">
+              <a:rPr lang="en-US" smtClean="0">
+                <a:cs typeface="Times New Roman" panose="02020603050405020304" pitchFamily="18" charset="0"/>
+              </a:rPr>
+              <a:pPr>
+                <a:defRPr/>
+              </a:pPr>
+              <a:t>13</a:t>
             </a:fld>
             <a:endParaRPr lang="en-US" dirty="0">
               <a:cs typeface="Times New Roman" panose="02020603050405020304" pitchFamily="18" charset="0"/>
@@ -5097,17 +5728,20 @@
         </p:nvSpPr>
         <p:spPr>
           <a:xfrm>
-            <a:off x="2918209" y="1600200"/>
-            <a:ext cx="3539741" cy="4351338"/>
+            <a:off x="906654" y="838200"/>
+            <a:ext cx="4244591" cy="5265738"/>
           </a:xfrm>
         </p:spPr>
         <p:txBody>
           <a:bodyPr>
-            <a:normAutofit/>
+            <a:normAutofit fontScale="92500" lnSpcReduction="10000"/>
           </a:bodyPr>
           <a:lstStyle/>
           <a:p>
             <a:pPr algn="just">
+              <a:lnSpc>
+                <a:spcPct val="170000"/>
+              </a:lnSpc>
               <a:buFont typeface="Wingdings" pitchFamily="2" charset="2"/>
               <a:buChar char="v"/>
             </a:pPr>
@@ -5121,32 +5755,9 @@
           </a:p>
           <a:p>
             <a:pPr algn="just">
-              <a:buFont typeface="Wingdings" pitchFamily="2" charset="2"/>
-              <a:buChar char="v"/>
-            </a:pPr>
-            <a:r>
-              <a:rPr lang="en-US" sz="3200" dirty="0">
-                <a:latin typeface="Times New Roman" panose="02020603050405020304" pitchFamily="18" charset="0"/>
-                <a:cs typeface="Times New Roman" panose="02020603050405020304" pitchFamily="18" charset="0"/>
-              </a:rPr>
-              <a:t>Assumption</a:t>
-            </a:r>
-          </a:p>
-          <a:p>
-            <a:pPr algn="just">
-              <a:buFont typeface="Wingdings" pitchFamily="2" charset="2"/>
-              <a:buChar char="v"/>
-            </a:pPr>
-            <a:r>
-              <a:rPr lang="en-US" sz="3200" dirty="0">
-                <a:latin typeface="Times New Roman" panose="02020603050405020304" pitchFamily="18" charset="0"/>
-                <a:cs typeface="Times New Roman" panose="02020603050405020304" pitchFamily="18" charset="0"/>
-              </a:rPr>
-              <a:t>Math Model</a:t>
-            </a:r>
-          </a:p>
-          <a:p>
-            <a:pPr algn="just">
+              <a:lnSpc>
+                <a:spcPct val="170000"/>
+              </a:lnSpc>
               <a:buFont typeface="Wingdings" pitchFamily="2" charset="2"/>
               <a:buChar char="v"/>
             </a:pPr>
@@ -5155,7 +5766,7 @@
                 <a:latin typeface="Times New Roman" panose="02020603050405020304" pitchFamily="18" charset="0"/>
                 <a:cs typeface="Times New Roman" panose="02020603050405020304" pitchFamily="18" charset="0"/>
               </a:rPr>
-              <a:t>Anylogic</a:t>
+              <a:t>AnyLogic</a:t>
             </a:r>
             <a:r>
               <a:rPr lang="en-US" sz="3200" dirty="0">
@@ -5167,6 +5778,9 @@
           </a:p>
           <a:p>
             <a:pPr algn="just">
+              <a:lnSpc>
+                <a:spcPct val="170000"/>
+              </a:lnSpc>
               <a:buFont typeface="Wingdings" pitchFamily="2" charset="2"/>
               <a:buChar char="v"/>
             </a:pPr>
@@ -5175,16 +5789,59 @@
                 <a:latin typeface="Times New Roman" panose="02020603050405020304" pitchFamily="18" charset="0"/>
                 <a:cs typeface="Times New Roman" panose="02020603050405020304" pitchFamily="18" charset="0"/>
               </a:rPr>
+              <a:t>Optimization</a:t>
+            </a:r>
+          </a:p>
+          <a:p>
+            <a:pPr lvl="1" algn="just">
+              <a:lnSpc>
+                <a:spcPct val="170000"/>
+              </a:lnSpc>
+            </a:pPr>
+            <a:r>
+              <a:rPr lang="en-US" sz="2900" dirty="0">
+                <a:latin typeface="Times New Roman" panose="02020603050405020304" pitchFamily="18" charset="0"/>
+                <a:cs typeface="Times New Roman" panose="02020603050405020304" pitchFamily="18" charset="0"/>
+              </a:rPr>
+              <a:t>Assumption</a:t>
+            </a:r>
+          </a:p>
+          <a:p>
+            <a:pPr lvl="1" algn="just">
+              <a:lnSpc>
+                <a:spcPct val="170000"/>
+              </a:lnSpc>
+            </a:pPr>
+            <a:r>
+              <a:rPr lang="en-US" sz="2900" dirty="0">
+                <a:latin typeface="Times New Roman" panose="02020603050405020304" pitchFamily="18" charset="0"/>
+                <a:cs typeface="Times New Roman" panose="02020603050405020304" pitchFamily="18" charset="0"/>
+              </a:rPr>
+              <a:t>Math Model</a:t>
+            </a:r>
+          </a:p>
+          <a:p>
+            <a:pPr lvl="1" algn="just">
+              <a:lnSpc>
+                <a:spcPct val="170000"/>
+              </a:lnSpc>
+            </a:pPr>
+            <a:r>
+              <a:rPr lang="en-US" sz="2900" dirty="0">
+                <a:latin typeface="Times New Roman" panose="02020603050405020304" pitchFamily="18" charset="0"/>
+                <a:cs typeface="Times New Roman" panose="02020603050405020304" pitchFamily="18" charset="0"/>
+              </a:rPr>
               <a:t>How we code</a:t>
             </a:r>
           </a:p>
           <a:p>
-            <a:pPr algn="just">
-              <a:buFont typeface="Wingdings" pitchFamily="2" charset="2"/>
-              <a:buChar char="v"/>
+            <a:pPr lvl="1" algn="just">
+              <a:lnSpc>
+                <a:spcPct val="170000"/>
+              </a:lnSpc>
             </a:pPr>
             <a:r>
-              <a:rPr lang="en-US" sz="3200" dirty="0">
+              <a:rPr lang="en-US" sz="2900" dirty="0">
                 <a:latin typeface="Times New Roman" panose="02020603050405020304" pitchFamily="18" charset="0"/>
                 <a:cs typeface="Times New Roman" panose="02020603050405020304" pitchFamily="18" charset="0"/>
               </a:rPr>
@@ -5627,16 +6284,24 @@
           </a:p>
           <a:p>
             <a:pPr algn="just"/>
-            <a:r>
-              <a:rPr lang="en-US" dirty="0">
-                <a:solidFill>
-                  <a:srgbClr val="FF0000"/>
-                </a:solidFill>
-                <a:latin typeface="Times New Roman" panose="02020603050405020304" pitchFamily="18" charset="0"/>
-                <a:cs typeface="Times New Roman" panose="02020603050405020304" pitchFamily="18" charset="0"/>
-              </a:rPr>
-              <a:t>DATA</a:t>
-            </a:r>
+            <a:endParaRPr lang="en-US" dirty="0">
+              <a:latin typeface="Times New Roman" panose="02020603050405020304" pitchFamily="18" charset="0"/>
+              <a:cs typeface="Times New Roman" panose="02020603050405020304" pitchFamily="18" charset="0"/>
+            </a:endParaRPr>
+          </a:p>
+          <a:p>
+            <a:pPr algn="just"/>
+            <a:endParaRPr lang="en-US" dirty="0">
+              <a:latin typeface="Times New Roman" panose="02020603050405020304" pitchFamily="18" charset="0"/>
+              <a:cs typeface="Times New Roman" panose="02020603050405020304" pitchFamily="18" charset="0"/>
+            </a:endParaRPr>
+          </a:p>
+          <a:p>
+            <a:pPr algn="just"/>
+            <a:endParaRPr lang="en-US" dirty="0">
+              <a:latin typeface="Times New Roman" panose="02020603050405020304" pitchFamily="18" charset="0"/>
+              <a:cs typeface="Times New Roman" panose="02020603050405020304" pitchFamily="18" charset="0"/>
+            </a:endParaRPr>
           </a:p>
           <a:p>
             <a:pPr algn="just"/>
@@ -5758,12 +6423,192 @@
           </a:p>
         </p:txBody>
       </p:sp>
+    </p:spTree>
+    <p:extLst>
+      <p:ext uri="{BB962C8B-B14F-4D97-AF65-F5344CB8AC3E}">
+        <p14:creationId xmlns:p14="http://schemas.microsoft.com/office/powerpoint/2010/main" val="1799431254"/>
+      </p:ext>
+    </p:extLst>
+  </p:cSld>
+  <p:clrMapOvr>
+    <a:masterClrMapping/>
+  </p:clrMapOvr>
+</p:sld>
+</file>
+
+<file path=ppt/slides/slide6.xml><?xml version="1.0" encoding="utf-8"?>
+<p:sld xmlns:a="http://schemas.openxmlformats.org/drawingml/2006/main" xmlns:r="http://schemas.openxmlformats.org/officeDocument/2006/relationships" xmlns:p="http://schemas.openxmlformats.org/presentationml/2006/main">
+  <p:cSld>
+    <p:spTree>
+      <p:nvGrpSpPr>
+        <p:cNvPr id="1" name=""/>
+        <p:cNvGrpSpPr/>
+        <p:nvPr/>
+      </p:nvGrpSpPr>
+      <p:grpSpPr>
+        <a:xfrm>
+          <a:off x="0" y="0"/>
+          <a:ext cx="0" cy="0"/>
+          <a:chOff x="0" y="0"/>
+          <a:chExt cx="0" cy="0"/>
+        </a:xfrm>
+      </p:grpSpPr>
+      <p:sp>
+        <p:nvSpPr>
+          <p:cNvPr id="3" name="Content Placeholder 2">
+            <a:extLst>
+              <a:ext uri="{FF2B5EF4-FFF2-40B4-BE49-F238E27FC236}">
+                <a16:creationId xmlns:a16="http://schemas.microsoft.com/office/drawing/2014/main" id="{B88FDDB5-97E3-9E4B-AA1B-B67CF9B0EA70}"/>
+              </a:ext>
+            </a:extLst>
+          </p:cNvPr>
+          <p:cNvSpPr>
+            <a:spLocks noGrp="1"/>
+          </p:cNvSpPr>
+          <p:nvPr>
+            <p:ph idx="1"/>
+          </p:nvPr>
+        </p:nvSpPr>
+        <p:spPr>
+          <a:xfrm>
+            <a:off x="628650" y="838200"/>
+            <a:ext cx="7886700" cy="4351338"/>
+          </a:xfrm>
+        </p:spPr>
+        <p:txBody>
+          <a:bodyPr/>
+          <a:lstStyle/>
+          <a:p>
+            <a:r>
+              <a:rPr lang="en-US" dirty="0">
+                <a:solidFill>
+                  <a:srgbClr val="FF0000"/>
+                </a:solidFill>
+                <a:latin typeface="Times New Roman" panose="02020603050405020304" pitchFamily="18" charset="0"/>
+                <a:cs typeface="Times New Roman" panose="02020603050405020304" pitchFamily="18" charset="0"/>
+              </a:rPr>
+              <a:t>DATA</a:t>
+            </a:r>
+          </a:p>
+          <a:p>
+            <a:endParaRPr lang="en-US" dirty="0">
+              <a:solidFill>
+                <a:srgbClr val="FF0000"/>
+              </a:solidFill>
+              <a:latin typeface="Times New Roman" panose="02020603050405020304" pitchFamily="18" charset="0"/>
+              <a:cs typeface="Times New Roman" panose="02020603050405020304" pitchFamily="18" charset="0"/>
+            </a:endParaRPr>
+          </a:p>
+          <a:p>
+            <a:endParaRPr lang="en-US" dirty="0"/>
+          </a:p>
+        </p:txBody>
+      </p:sp>
+      <p:sp>
+        <p:nvSpPr>
+          <p:cNvPr id="4" name="Date Placeholder 3">
+            <a:extLst>
+              <a:ext uri="{FF2B5EF4-FFF2-40B4-BE49-F238E27FC236}">
+                <a16:creationId xmlns:a16="http://schemas.microsoft.com/office/drawing/2014/main" id="{5FBF1B8E-BF20-3C46-8CCE-3F553EFCFCF1}"/>
+              </a:ext>
+            </a:extLst>
+          </p:cNvPr>
+          <p:cNvSpPr>
+            <a:spLocks noGrp="1"/>
+          </p:cNvSpPr>
+          <p:nvPr>
+            <p:ph type="dt" sz="half" idx="10"/>
+          </p:nvPr>
+        </p:nvSpPr>
+        <p:spPr/>
+        <p:txBody>
+          <a:bodyPr/>
+          <a:lstStyle/>
+          <a:p>
+            <a:pPr>
+              <a:defRPr/>
+            </a:pPr>
+            <a:r>
+              <a:rPr lang="en-US"/>
+              <a:t>November 26</a:t>
+            </a:r>
+            <a:endParaRPr lang="en-US" dirty="0"/>
+          </a:p>
+        </p:txBody>
+      </p:sp>
+      <p:sp>
+        <p:nvSpPr>
+          <p:cNvPr id="5" name="Footer Placeholder 4">
+            <a:extLst>
+              <a:ext uri="{FF2B5EF4-FFF2-40B4-BE49-F238E27FC236}">
+                <a16:creationId xmlns:a16="http://schemas.microsoft.com/office/drawing/2014/main" id="{8B3732CF-CE11-EB4A-833C-55BFCCAF32D6}"/>
+              </a:ext>
+            </a:extLst>
+          </p:cNvPr>
+          <p:cNvSpPr>
+            <a:spLocks noGrp="1"/>
+          </p:cNvSpPr>
+          <p:nvPr>
+            <p:ph type="ftr" sz="quarter" idx="11"/>
+          </p:nvPr>
+        </p:nvSpPr>
+        <p:spPr/>
+        <p:txBody>
+          <a:bodyPr/>
+          <a:lstStyle/>
+          <a:p>
+            <a:pPr>
+              <a:defRPr/>
+            </a:pPr>
+            <a:r>
+              <a:rPr lang="en-US"/>
+              <a:t>IE 526  Final Project</a:t>
+            </a:r>
+            <a:endParaRPr lang="en-US" dirty="0"/>
+          </a:p>
+        </p:txBody>
+      </p:sp>
+      <p:sp>
+        <p:nvSpPr>
+          <p:cNvPr id="6" name="Slide Number Placeholder 5">
+            <a:extLst>
+              <a:ext uri="{FF2B5EF4-FFF2-40B4-BE49-F238E27FC236}">
+                <a16:creationId xmlns:a16="http://schemas.microsoft.com/office/drawing/2014/main" id="{006E5656-01EC-F34F-B50F-07EFC6950D6F}"/>
+              </a:ext>
+            </a:extLst>
+          </p:cNvPr>
+          <p:cNvSpPr>
+            <a:spLocks noGrp="1"/>
+          </p:cNvSpPr>
+          <p:nvPr>
+            <p:ph type="sldNum" sz="quarter" idx="12"/>
+          </p:nvPr>
+        </p:nvSpPr>
+        <p:spPr/>
+        <p:txBody>
+          <a:bodyPr/>
+          <a:lstStyle/>
+          <a:p>
+            <a:pPr>
+              <a:defRPr/>
+            </a:pPr>
+            <a:fld id="{61875079-2EDC-4E24-99D6-3E823A45791C}" type="slidenum">
+              <a:rPr lang="en-US" smtClean="0"/>
+              <a:pPr>
+                <a:defRPr/>
+              </a:pPr>
+              <a:t>6</a:t>
+            </a:fld>
+            <a:endParaRPr lang="en-US" dirty="0"/>
+          </a:p>
+        </p:txBody>
+      </p:sp>
       <p:graphicFrame>
         <p:nvGraphicFramePr>
           <p:cNvPr id="7" name="Table 6">
             <a:extLst>
               <a:ext uri="{FF2B5EF4-FFF2-40B4-BE49-F238E27FC236}">
-                <a16:creationId xmlns:a16="http://schemas.microsoft.com/office/drawing/2014/main" id="{C8EA5766-8A49-5447-82A9-B258BB2D3CA1}"/>
+                <a16:creationId xmlns:a16="http://schemas.microsoft.com/office/drawing/2014/main" id="{C7EAE25E-E7DD-E34F-8DA8-A6B80089A319}"/>
               </a:ext>
             </a:extLst>
           </p:cNvPr>
@@ -5773,13 +6618,13 @@
           <p:nvPr>
             <p:extLst>
               <p:ext uri="{D42A27DB-BD31-4B8C-83A1-F6EECF244321}">
-                <p14:modId xmlns:p14="http://schemas.microsoft.com/office/powerpoint/2010/main" val="1625967446"/>
+                <p14:modId xmlns:p14="http://schemas.microsoft.com/office/powerpoint/2010/main" val="524345975"/>
               </p:ext>
             </p:extLst>
           </p:nvPr>
         </p:nvGraphicFramePr>
         <p:xfrm>
-          <a:off x="2476500" y="2615409"/>
+          <a:off x="762000" y="1371600"/>
           <a:ext cx="4190999" cy="2230909"/>
         </p:xfrm>
         <a:graphic>
@@ -5843,12 +6688,12 @@
                         </a:spcAft>
                       </a:pPr>
                       <a:r>
-                        <a:rPr lang="en-US" sz="1000">
+                        <a:rPr lang="en-US" sz="1000" dirty="0">
                           <a:effectLst/>
                         </a:rPr>
                         <a:t>ID</a:t>
                       </a:r>
-                      <a:endParaRPr lang="en-US" sz="1100">
+                      <a:endParaRPr lang="en-US" sz="1100" dirty="0">
                         <a:effectLst/>
                         <a:latin typeface="Calibri" panose="020F0502020204030204" pitchFamily="34" charset="0"/>
                         <a:ea typeface="Calibri" panose="020F0502020204030204" pitchFamily="34" charset="0"/>
@@ -6974,207 +7819,7 @@
     </p:spTree>
     <p:extLst>
       <p:ext uri="{BB962C8B-B14F-4D97-AF65-F5344CB8AC3E}">
-        <p14:creationId xmlns:p14="http://schemas.microsoft.com/office/powerpoint/2010/main" val="1799431254"/>
-      </p:ext>
-    </p:extLst>
-  </p:cSld>
-  <p:clrMapOvr>
-    <a:masterClrMapping/>
-  </p:clrMapOvr>
-</p:sld>
-</file>
-
-<file path=ppt/slides/slide6.xml><?xml version="1.0" encoding="utf-8"?>
-<p:sld xmlns:a="http://schemas.openxmlformats.org/drawingml/2006/main" xmlns:r="http://schemas.openxmlformats.org/officeDocument/2006/relationships" xmlns:p="http://schemas.openxmlformats.org/presentationml/2006/main">
-  <p:cSld>
-    <p:spTree>
-      <p:nvGrpSpPr>
-        <p:cNvPr id="1" name=""/>
-        <p:cNvGrpSpPr/>
-        <p:nvPr/>
-      </p:nvGrpSpPr>
-      <p:grpSpPr>
-        <a:xfrm>
-          <a:off x="0" y="0"/>
-          <a:ext cx="0" cy="0"/>
-          <a:chOff x="0" y="0"/>
-          <a:chExt cx="0" cy="0"/>
-        </a:xfrm>
-      </p:grpSpPr>
-      <p:sp>
-        <p:nvSpPr>
-          <p:cNvPr id="2" name="Title 1">
-            <a:extLst>
-              <a:ext uri="{FF2B5EF4-FFF2-40B4-BE49-F238E27FC236}">
-                <a16:creationId xmlns:a16="http://schemas.microsoft.com/office/drawing/2014/main" id="{9A38D11D-6067-664A-8F78-7DBBBE4491AB}"/>
-              </a:ext>
-            </a:extLst>
-          </p:cNvPr>
-          <p:cNvSpPr>
-            <a:spLocks noGrp="1"/>
-          </p:cNvSpPr>
-          <p:nvPr>
-            <p:ph type="title"/>
-          </p:nvPr>
-        </p:nvSpPr>
-        <p:spPr/>
-        <p:txBody>
-          <a:bodyPr/>
-          <a:lstStyle/>
-          <a:p>
-            <a:r>
-              <a:rPr lang="en-US" dirty="0">
-                <a:latin typeface="Times New Roman" panose="02020603050405020304" pitchFamily="18" charset="0"/>
-                <a:cs typeface="Times New Roman" panose="02020603050405020304" pitchFamily="18" charset="0"/>
-              </a:rPr>
-              <a:t>Assumption</a:t>
-            </a:r>
-          </a:p>
-        </p:txBody>
-      </p:sp>
-      <p:sp>
-        <p:nvSpPr>
-          <p:cNvPr id="3" name="Content Placeholder 2">
-            <a:extLst>
-              <a:ext uri="{FF2B5EF4-FFF2-40B4-BE49-F238E27FC236}">
-                <a16:creationId xmlns:a16="http://schemas.microsoft.com/office/drawing/2014/main" id="{C7E98DF3-D1C7-3C45-9D62-2813BA68BE9C}"/>
-              </a:ext>
-            </a:extLst>
-          </p:cNvPr>
-          <p:cNvSpPr>
-            <a:spLocks noGrp="1"/>
-          </p:cNvSpPr>
-          <p:nvPr>
-            <p:ph idx="1"/>
-          </p:nvPr>
-        </p:nvSpPr>
-        <p:spPr/>
-        <p:txBody>
-          <a:bodyPr/>
-          <a:lstStyle/>
-          <a:p>
-            <a:endParaRPr lang="en-US">
-              <a:latin typeface="Times New Roman" panose="02020603050405020304" pitchFamily="18" charset="0"/>
-              <a:cs typeface="Times New Roman" panose="02020603050405020304" pitchFamily="18" charset="0"/>
-            </a:endParaRPr>
-          </a:p>
-        </p:txBody>
-      </p:sp>
-      <p:sp>
-        <p:nvSpPr>
-          <p:cNvPr id="4" name="Date Placeholder 3">
-            <a:extLst>
-              <a:ext uri="{FF2B5EF4-FFF2-40B4-BE49-F238E27FC236}">
-                <a16:creationId xmlns:a16="http://schemas.microsoft.com/office/drawing/2014/main" id="{0AC531EC-C243-634D-B6E7-439D669C99FC}"/>
-              </a:ext>
-            </a:extLst>
-          </p:cNvPr>
-          <p:cNvSpPr>
-            <a:spLocks noGrp="1"/>
-          </p:cNvSpPr>
-          <p:nvPr>
-            <p:ph type="dt" sz="half" idx="10"/>
-          </p:nvPr>
-        </p:nvSpPr>
-        <p:spPr/>
-        <p:txBody>
-          <a:bodyPr/>
-          <a:lstStyle/>
-          <a:p>
-            <a:pPr>
-              <a:defRPr/>
-            </a:pPr>
-            <a:r>
-              <a:rPr lang="en-US">
-                <a:cs typeface="Times New Roman" panose="02020603050405020304" pitchFamily="18" charset="0"/>
-              </a:rPr>
-              <a:t>November 26</a:t>
-            </a:r>
-            <a:endParaRPr lang="en-US" dirty="0">
-              <a:cs typeface="Times New Roman" panose="02020603050405020304" pitchFamily="18" charset="0"/>
-            </a:endParaRPr>
-          </a:p>
-        </p:txBody>
-      </p:sp>
-      <p:sp>
-        <p:nvSpPr>
-          <p:cNvPr id="5" name="Footer Placeholder 4">
-            <a:extLst>
-              <a:ext uri="{FF2B5EF4-FFF2-40B4-BE49-F238E27FC236}">
-                <a16:creationId xmlns:a16="http://schemas.microsoft.com/office/drawing/2014/main" id="{753CC8CF-27EA-1F4D-B742-D68803C5F9E7}"/>
-              </a:ext>
-            </a:extLst>
-          </p:cNvPr>
-          <p:cNvSpPr>
-            <a:spLocks noGrp="1"/>
-          </p:cNvSpPr>
-          <p:nvPr>
-            <p:ph type="ftr" sz="quarter" idx="11"/>
-          </p:nvPr>
-        </p:nvSpPr>
-        <p:spPr/>
-        <p:txBody>
-          <a:bodyPr/>
-          <a:lstStyle/>
-          <a:p>
-            <a:pPr>
-              <a:defRPr/>
-            </a:pPr>
-            <a:r>
-              <a:rPr lang="en-US">
-                <a:cs typeface="Times New Roman" panose="02020603050405020304" pitchFamily="18" charset="0"/>
-              </a:rPr>
-              <a:t>IE 526  Final Project</a:t>
-            </a:r>
-            <a:endParaRPr lang="en-US" dirty="0">
-              <a:cs typeface="Times New Roman" panose="02020603050405020304" pitchFamily="18" charset="0"/>
-            </a:endParaRPr>
-          </a:p>
-        </p:txBody>
-      </p:sp>
-      <p:sp>
-        <p:nvSpPr>
-          <p:cNvPr id="6" name="Slide Number Placeholder 5">
-            <a:extLst>
-              <a:ext uri="{FF2B5EF4-FFF2-40B4-BE49-F238E27FC236}">
-                <a16:creationId xmlns:a16="http://schemas.microsoft.com/office/drawing/2014/main" id="{8C8B3BCF-BCC2-6E41-9EC4-E2A9AEBD4A47}"/>
-              </a:ext>
-            </a:extLst>
-          </p:cNvPr>
-          <p:cNvSpPr>
-            <a:spLocks noGrp="1"/>
-          </p:cNvSpPr>
-          <p:nvPr>
-            <p:ph type="sldNum" sz="quarter" idx="12"/>
-          </p:nvPr>
-        </p:nvSpPr>
-        <p:spPr/>
-        <p:txBody>
-          <a:bodyPr/>
-          <a:lstStyle/>
-          <a:p>
-            <a:pPr>
-              <a:defRPr/>
-            </a:pPr>
-            <a:fld id="{61875079-2EDC-4E24-99D6-3E823A45791C}" type="slidenum">
-              <a:rPr lang="en-US" smtClean="0">
-                <a:cs typeface="Times New Roman" panose="02020603050405020304" pitchFamily="18" charset="0"/>
-              </a:rPr>
-              <a:pPr>
-                <a:defRPr/>
-              </a:pPr>
-              <a:t>6</a:t>
-            </a:fld>
-            <a:endParaRPr lang="en-US" dirty="0">
-              <a:cs typeface="Times New Roman" panose="02020603050405020304" pitchFamily="18" charset="0"/>
-            </a:endParaRPr>
-          </a:p>
-        </p:txBody>
-      </p:sp>
-    </p:spTree>
-    <p:extLst>
-      <p:ext uri="{BB962C8B-B14F-4D97-AF65-F5344CB8AC3E}">
-        <p14:creationId xmlns:p14="http://schemas.microsoft.com/office/powerpoint/2010/main" val="2795746341"/>
+        <p14:creationId xmlns:p14="http://schemas.microsoft.com/office/powerpoint/2010/main" val="3556411791"/>
       </p:ext>
     </p:extLst>
   </p:cSld>
@@ -7206,7 +7851,7 @@
           <p:cNvPr id="2" name="Title 1">
             <a:extLst>
               <a:ext uri="{FF2B5EF4-FFF2-40B4-BE49-F238E27FC236}">
-                <a16:creationId xmlns:a16="http://schemas.microsoft.com/office/drawing/2014/main" id="{C9BEDE47-63E5-D247-9260-032A81FB7091}"/>
+                <a16:creationId xmlns:a16="http://schemas.microsoft.com/office/drawing/2014/main" id="{BBC6688A-9401-274D-8DB3-E46426D33EBB}"/>
               </a:ext>
             </a:extLst>
           </p:cNvPr>
@@ -7222,68 +7867,20 @@
           <a:bodyPr/>
           <a:lstStyle/>
           <a:p>
+            <a:r>
+              <a:rPr lang="en-US" dirty="0" err="1">
+                <a:latin typeface="Times New Roman" panose="02020603050405020304" pitchFamily="18" charset="0"/>
+                <a:cs typeface="Times New Roman" panose="02020603050405020304" pitchFamily="18" charset="0"/>
+              </a:rPr>
+              <a:t>Anylogic</a:t>
+            </a:r>
             <a:r>
               <a:rPr lang="en-US" dirty="0">
                 <a:latin typeface="Times New Roman" panose="02020603050405020304" pitchFamily="18" charset="0"/>
                 <a:cs typeface="Times New Roman" panose="02020603050405020304" pitchFamily="18" charset="0"/>
               </a:rPr>
-              <a:t>Math Model</a:t>
-            </a:r>
-          </a:p>
-        </p:txBody>
-      </p:sp>
-      <p:sp>
-        <p:nvSpPr>
-          <p:cNvPr id="3" name="Content Placeholder 2">
-            <a:extLst>
-              <a:ext uri="{FF2B5EF4-FFF2-40B4-BE49-F238E27FC236}">
-                <a16:creationId xmlns:a16="http://schemas.microsoft.com/office/drawing/2014/main" id="{2E65726B-01AC-1647-960C-C24CC1B7F916}"/>
-              </a:ext>
-            </a:extLst>
-          </p:cNvPr>
-          <p:cNvSpPr>
-            <a:spLocks noGrp="1"/>
-          </p:cNvSpPr>
-          <p:nvPr>
-            <p:ph idx="1"/>
-          </p:nvPr>
-        </p:nvSpPr>
-        <p:spPr/>
-        <p:txBody>
-          <a:bodyPr/>
-          <a:lstStyle/>
-          <a:p>
-            <a:r>
-              <a:rPr lang="en-US" dirty="0">
-                <a:latin typeface="Times New Roman" panose="02020603050405020304" pitchFamily="18" charset="0"/>
-                <a:cs typeface="Times New Roman" panose="02020603050405020304" pitchFamily="18" charset="0"/>
-              </a:rPr>
-              <a:t>Decision Variables</a:t>
-            </a:r>
-          </a:p>
-          <a:p>
-            <a:r>
-              <a:rPr lang="en-US" dirty="0">
-                <a:latin typeface="Times New Roman" panose="02020603050405020304" pitchFamily="18" charset="0"/>
-                <a:cs typeface="Times New Roman" panose="02020603050405020304" pitchFamily="18" charset="0"/>
-              </a:rPr>
-              <a:t>Objective Function</a:t>
-            </a:r>
-          </a:p>
-          <a:p>
-            <a:r>
-              <a:rPr lang="en-US" dirty="0">
-                <a:latin typeface="Times New Roman" panose="02020603050405020304" pitchFamily="18" charset="0"/>
-                <a:cs typeface="Times New Roman" panose="02020603050405020304" pitchFamily="18" charset="0"/>
-              </a:rPr>
-              <a:t>Constraints</a:t>
-            </a:r>
-          </a:p>
-          <a:p>
-            <a:endParaRPr lang="en-US" dirty="0">
-              <a:latin typeface="Times New Roman" panose="02020603050405020304" pitchFamily="18" charset="0"/>
-              <a:cs typeface="Times New Roman" panose="02020603050405020304" pitchFamily="18" charset="0"/>
-            </a:endParaRPr>
+              <a:t> Model</a:t>
+            </a:r>
           </a:p>
         </p:txBody>
       </p:sp>
@@ -7292,7 +7889,7 @@
           <p:cNvPr id="4" name="Date Placeholder 3">
             <a:extLst>
               <a:ext uri="{FF2B5EF4-FFF2-40B4-BE49-F238E27FC236}">
-                <a16:creationId xmlns:a16="http://schemas.microsoft.com/office/drawing/2014/main" id="{E235F2DA-A17C-A341-A61F-7508954C7D6F}"/>
+                <a16:creationId xmlns:a16="http://schemas.microsoft.com/office/drawing/2014/main" id="{65AE9C51-D29A-A047-A19F-0BAB9B12E9F3}"/>
               </a:ext>
             </a:extLst>
           </p:cNvPr>
@@ -7328,7 +7925,7 @@
           <p:cNvPr id="5" name="Footer Placeholder 4">
             <a:extLst>
               <a:ext uri="{FF2B5EF4-FFF2-40B4-BE49-F238E27FC236}">
-                <a16:creationId xmlns:a16="http://schemas.microsoft.com/office/drawing/2014/main" id="{ED4E00F7-B50B-9046-9CDD-B45CC9C638B2}"/>
+                <a16:creationId xmlns:a16="http://schemas.microsoft.com/office/drawing/2014/main" id="{9F991618-3828-3B41-BD69-42998E16B464}"/>
               </a:ext>
             </a:extLst>
           </p:cNvPr>
@@ -7364,7 +7961,7 @@
           <p:cNvPr id="6" name="Slide Number Placeholder 5">
             <a:extLst>
               <a:ext uri="{FF2B5EF4-FFF2-40B4-BE49-F238E27FC236}">
-                <a16:creationId xmlns:a16="http://schemas.microsoft.com/office/drawing/2014/main" id="{C7EAA511-8C8D-7F43-8BF3-7BDC311BE4EE}"/>
+                <a16:creationId xmlns:a16="http://schemas.microsoft.com/office/drawing/2014/main" id="{176615A9-FE84-7444-BCCF-CEE3E3D3E7BC}"/>
               </a:ext>
             </a:extLst>
           </p:cNvPr>
@@ -7398,10 +7995,152 @@
           </a:p>
         </p:txBody>
       </p:sp>
+      <p:pic>
+        <p:nvPicPr>
+          <p:cNvPr id="7" name="Picture 6">
+            <a:extLst>
+              <a:ext uri="{FF2B5EF4-FFF2-40B4-BE49-F238E27FC236}">
+                <a16:creationId xmlns:a16="http://schemas.microsoft.com/office/drawing/2014/main" id="{4543C318-4F71-9047-B4DA-6071CDFB7700}"/>
+              </a:ext>
+            </a:extLst>
+          </p:cNvPr>
+          <p:cNvPicPr>
+            <a:picLocks noChangeAspect="1"/>
+          </p:cNvPicPr>
+          <p:nvPr/>
+        </p:nvPicPr>
+        <p:blipFill>
+          <a:blip r:embed="rId2">
+            <a:extLst>
+              <a:ext uri="{28A0092B-C50C-407E-A947-70E740481C1C}">
+                <a14:useLocalDpi xmlns:a14="http://schemas.microsoft.com/office/drawing/2010/main" val="0"/>
+              </a:ext>
+            </a:extLst>
+          </a:blip>
+          <a:stretch>
+            <a:fillRect/>
+          </a:stretch>
+        </p:blipFill>
+        <p:spPr>
+          <a:xfrm>
+            <a:off x="3352800" y="1524000"/>
+            <a:ext cx="4663369" cy="4417045"/>
+          </a:xfrm>
+          <a:prstGeom prst="rect">
+            <a:avLst/>
+          </a:prstGeom>
+        </p:spPr>
+      </p:pic>
+      <p:sp>
+        <p:nvSpPr>
+          <p:cNvPr id="8" name="TextBox 7">
+            <a:extLst>
+              <a:ext uri="{FF2B5EF4-FFF2-40B4-BE49-F238E27FC236}">
+                <a16:creationId xmlns:a16="http://schemas.microsoft.com/office/drawing/2014/main" id="{9B983E29-553B-5041-BA3E-5E34548D3869}"/>
+              </a:ext>
+            </a:extLst>
+          </p:cNvPr>
+          <p:cNvSpPr txBox="1"/>
+          <p:nvPr/>
+        </p:nvSpPr>
+        <p:spPr>
+          <a:xfrm>
+            <a:off x="4800600" y="1062335"/>
+            <a:ext cx="1492716" cy="461665"/>
+          </a:xfrm>
+          <a:prstGeom prst="rect">
+            <a:avLst/>
+          </a:prstGeom>
+          <a:noFill/>
+        </p:spPr>
+        <p:txBody>
+          <a:bodyPr wrap="none" rtlCol="0">
+            <a:spAutoFit/>
+          </a:bodyPr>
+          <a:lstStyle/>
+          <a:p>
+            <a:r>
+              <a:rPr lang="en-US" sz="2400" dirty="0">
+                <a:solidFill>
+                  <a:schemeClr val="tx1"/>
+                </a:solidFill>
+              </a:rPr>
+              <a:t>GIS MAP</a:t>
+            </a:r>
+          </a:p>
+        </p:txBody>
+      </p:sp>
+      <p:sp>
+        <p:nvSpPr>
+          <p:cNvPr id="9" name="TextBox 8">
+            <a:extLst>
+              <a:ext uri="{FF2B5EF4-FFF2-40B4-BE49-F238E27FC236}">
+                <a16:creationId xmlns:a16="http://schemas.microsoft.com/office/drawing/2014/main" id="{D807F127-C2EB-554A-833E-4EC2175CAD7E}"/>
+              </a:ext>
+            </a:extLst>
+          </p:cNvPr>
+          <p:cNvSpPr txBox="1"/>
+          <p:nvPr/>
+        </p:nvSpPr>
+        <p:spPr>
+          <a:xfrm>
+            <a:off x="628650" y="2187843"/>
+            <a:ext cx="2859717" cy="1323439"/>
+          </a:xfrm>
+          <a:prstGeom prst="rect">
+            <a:avLst/>
+          </a:prstGeom>
+          <a:noFill/>
+        </p:spPr>
+        <p:txBody>
+          <a:bodyPr wrap="square" rtlCol="0">
+            <a:spAutoFit/>
+          </a:bodyPr>
+          <a:lstStyle/>
+          <a:p>
+            <a:pPr algn="l"/>
+            <a:r>
+              <a:rPr lang="en-US" sz="1600" dirty="0">
+                <a:solidFill>
+                  <a:schemeClr val="tx1"/>
+                </a:solidFill>
+              </a:rPr>
+              <a:t>1.Import database </a:t>
+            </a:r>
+          </a:p>
+          <a:p>
+            <a:pPr algn="l"/>
+            <a:endParaRPr lang="en-US" sz="1600" dirty="0">
+              <a:solidFill>
+                <a:schemeClr val="tx1"/>
+              </a:solidFill>
+            </a:endParaRPr>
+          </a:p>
+          <a:p>
+            <a:pPr algn="l"/>
+            <a:endParaRPr lang="en-US" sz="1600" dirty="0">
+              <a:solidFill>
+                <a:schemeClr val="tx1"/>
+              </a:solidFill>
+            </a:endParaRPr>
+          </a:p>
+          <a:p>
+            <a:pPr algn="l"/>
+            <a:r>
+              <a:rPr lang="en-US" sz="1600" dirty="0">
+                <a:solidFill>
+                  <a:schemeClr val="tx1"/>
+                </a:solidFill>
+              </a:rPr>
+              <a:t>2.Locate distributor and customers</a:t>
+            </a:r>
+          </a:p>
+        </p:txBody>
+      </p:sp>
     </p:spTree>
     <p:extLst>
       <p:ext uri="{BB962C8B-B14F-4D97-AF65-F5344CB8AC3E}">
-        <p14:creationId xmlns:p14="http://schemas.microsoft.com/office/powerpoint/2010/main" val="1549374694"/>
+        <p14:creationId xmlns:p14="http://schemas.microsoft.com/office/powerpoint/2010/main" val="1590406127"/>
       </p:ext>
     </p:extLst>
   </p:cSld>
@@ -7430,76 +8169,10 @@
       </p:grpSpPr>
       <p:sp>
         <p:nvSpPr>
-          <p:cNvPr id="2" name="Title 1">
-            <a:extLst>
-              <a:ext uri="{FF2B5EF4-FFF2-40B4-BE49-F238E27FC236}">
-                <a16:creationId xmlns:a16="http://schemas.microsoft.com/office/drawing/2014/main" id="{BBC6688A-9401-274D-8DB3-E46426D33EBB}"/>
-              </a:ext>
-            </a:extLst>
-          </p:cNvPr>
-          <p:cNvSpPr>
-            <a:spLocks noGrp="1"/>
-          </p:cNvSpPr>
-          <p:nvPr>
-            <p:ph type="title"/>
-          </p:nvPr>
-        </p:nvSpPr>
-        <p:spPr/>
-        <p:txBody>
-          <a:bodyPr/>
-          <a:lstStyle/>
-          <a:p>
-            <a:r>
-              <a:rPr lang="en-US" dirty="0" err="1">
-                <a:latin typeface="Times New Roman" panose="02020603050405020304" pitchFamily="18" charset="0"/>
-                <a:cs typeface="Times New Roman" panose="02020603050405020304" pitchFamily="18" charset="0"/>
-              </a:rPr>
-              <a:t>Anylogic</a:t>
-            </a:r>
-            <a:r>
-              <a:rPr lang="en-US" dirty="0">
-                <a:latin typeface="Times New Roman" panose="02020603050405020304" pitchFamily="18" charset="0"/>
-                <a:cs typeface="Times New Roman" panose="02020603050405020304" pitchFamily="18" charset="0"/>
-              </a:rPr>
-              <a:t> Model</a:t>
-            </a:r>
-          </a:p>
-        </p:txBody>
-      </p:sp>
-      <p:sp>
-        <p:nvSpPr>
-          <p:cNvPr id="3" name="Content Placeholder 2">
-            <a:extLst>
-              <a:ext uri="{FF2B5EF4-FFF2-40B4-BE49-F238E27FC236}">
-                <a16:creationId xmlns:a16="http://schemas.microsoft.com/office/drawing/2014/main" id="{6579B15A-4219-134A-B4D4-5A01354391C6}"/>
-              </a:ext>
-            </a:extLst>
-          </p:cNvPr>
-          <p:cNvSpPr>
-            <a:spLocks noGrp="1"/>
-          </p:cNvSpPr>
-          <p:nvPr>
-            <p:ph idx="1"/>
-          </p:nvPr>
-        </p:nvSpPr>
-        <p:spPr/>
-        <p:txBody>
-          <a:bodyPr/>
-          <a:lstStyle/>
-          <a:p>
-            <a:endParaRPr lang="en-US" dirty="0">
-              <a:latin typeface="Times New Roman" panose="02020603050405020304" pitchFamily="18" charset="0"/>
-              <a:cs typeface="Times New Roman" panose="02020603050405020304" pitchFamily="18" charset="0"/>
-            </a:endParaRPr>
-          </a:p>
-        </p:txBody>
-      </p:sp>
-      <p:sp>
-        <p:nvSpPr>
           <p:cNvPr id="4" name="Date Placeholder 3">
             <a:extLst>
               <a:ext uri="{FF2B5EF4-FFF2-40B4-BE49-F238E27FC236}">
-                <a16:creationId xmlns:a16="http://schemas.microsoft.com/office/drawing/2014/main" id="{65AE9C51-D29A-A047-A19F-0BAB9B12E9F3}"/>
+                <a16:creationId xmlns:a16="http://schemas.microsoft.com/office/drawing/2014/main" id="{EC59AA18-4379-4E4B-9B81-84584F09F7FA}"/>
               </a:ext>
             </a:extLst>
           </p:cNvPr>
@@ -7519,14 +8192,10 @@
               <a:defRPr/>
             </a:pPr>
             <a:r>
-              <a:rPr lang="en-US">
-                <a:cs typeface="Times New Roman" panose="02020603050405020304" pitchFamily="18" charset="0"/>
-              </a:rPr>
+              <a:rPr lang="en-US"/>
               <a:t>November 26</a:t>
             </a:r>
-            <a:endParaRPr lang="en-US" dirty="0">
-              <a:cs typeface="Times New Roman" panose="02020603050405020304" pitchFamily="18" charset="0"/>
-            </a:endParaRPr>
+            <a:endParaRPr lang="en-US" dirty="0"/>
           </a:p>
         </p:txBody>
       </p:sp>
@@ -7535,7 +8204,7 @@
           <p:cNvPr id="5" name="Footer Placeholder 4">
             <a:extLst>
               <a:ext uri="{FF2B5EF4-FFF2-40B4-BE49-F238E27FC236}">
-                <a16:creationId xmlns:a16="http://schemas.microsoft.com/office/drawing/2014/main" id="{9F991618-3828-3B41-BD69-42998E16B464}"/>
+                <a16:creationId xmlns:a16="http://schemas.microsoft.com/office/drawing/2014/main" id="{C14FA9A5-6859-4046-8B01-1FD02FD822CC}"/>
               </a:ext>
             </a:extLst>
           </p:cNvPr>
@@ -7555,14 +8224,10 @@
               <a:defRPr/>
             </a:pPr>
             <a:r>
-              <a:rPr lang="en-US">
-                <a:cs typeface="Times New Roman" panose="02020603050405020304" pitchFamily="18" charset="0"/>
-              </a:rPr>
+              <a:rPr lang="en-US"/>
               <a:t>IE 526  Final Project</a:t>
             </a:r>
-            <a:endParaRPr lang="en-US" dirty="0">
-              <a:cs typeface="Times New Roman" panose="02020603050405020304" pitchFamily="18" charset="0"/>
-            </a:endParaRPr>
+            <a:endParaRPr lang="en-US" dirty="0"/>
           </a:p>
         </p:txBody>
       </p:sp>
@@ -7571,7 +8236,7 @@
           <p:cNvPr id="6" name="Slide Number Placeholder 5">
             <a:extLst>
               <a:ext uri="{FF2B5EF4-FFF2-40B4-BE49-F238E27FC236}">
-                <a16:creationId xmlns:a16="http://schemas.microsoft.com/office/drawing/2014/main" id="{176615A9-FE84-7444-BCCF-CEE3E3D3E7BC}"/>
+                <a16:creationId xmlns:a16="http://schemas.microsoft.com/office/drawing/2014/main" id="{DA6528F0-5BA8-874A-B0B5-B611D762E8D9}"/>
               </a:ext>
             </a:extLst>
           </p:cNvPr>
@@ -7591,24 +8256,213 @@
               <a:defRPr/>
             </a:pPr>
             <a:fld id="{61875079-2EDC-4E24-99D6-3E823A45791C}" type="slidenum">
-              <a:rPr lang="en-US" smtClean="0">
-                <a:cs typeface="Times New Roman" panose="02020603050405020304" pitchFamily="18" charset="0"/>
-              </a:rPr>
+              <a:rPr lang="en-US" smtClean="0"/>
               <a:pPr>
                 <a:defRPr/>
               </a:pPr>
               <a:t>8</a:t>
             </a:fld>
-            <a:endParaRPr lang="en-US" dirty="0">
-              <a:cs typeface="Times New Roman" panose="02020603050405020304" pitchFamily="18" charset="0"/>
+            <a:endParaRPr lang="en-US" dirty="0"/>
+          </a:p>
+        </p:txBody>
+      </p:sp>
+      <p:pic>
+        <p:nvPicPr>
+          <p:cNvPr id="8" name="Picture 7">
+            <a:extLst>
+              <a:ext uri="{FF2B5EF4-FFF2-40B4-BE49-F238E27FC236}">
+                <a16:creationId xmlns:a16="http://schemas.microsoft.com/office/drawing/2014/main" id="{72A48732-C5C8-704A-80A6-98349AC1E647}"/>
+              </a:ext>
+            </a:extLst>
+          </p:cNvPr>
+          <p:cNvPicPr>
+            <a:picLocks noChangeAspect="1"/>
+          </p:cNvPicPr>
+          <p:nvPr/>
+        </p:nvPicPr>
+        <p:blipFill>
+          <a:blip r:embed="rId2">
+            <a:extLst>
+              <a:ext uri="{28A0092B-C50C-407E-A947-70E740481C1C}">
+                <a14:useLocalDpi xmlns:a14="http://schemas.microsoft.com/office/drawing/2010/main" val="0"/>
+              </a:ext>
+            </a:extLst>
+          </a:blip>
+          <a:stretch>
+            <a:fillRect/>
+          </a:stretch>
+        </p:blipFill>
+        <p:spPr>
+          <a:xfrm>
+            <a:off x="2819400" y="1295400"/>
+            <a:ext cx="5096063" cy="4724400"/>
+          </a:xfrm>
+          <a:prstGeom prst="rect">
+            <a:avLst/>
+          </a:prstGeom>
+        </p:spPr>
+      </p:pic>
+      <p:sp>
+        <p:nvSpPr>
+          <p:cNvPr id="9" name="TextBox 8">
+            <a:extLst>
+              <a:ext uri="{FF2B5EF4-FFF2-40B4-BE49-F238E27FC236}">
+                <a16:creationId xmlns:a16="http://schemas.microsoft.com/office/drawing/2014/main" id="{1AC793BF-3145-5E4F-9EA6-FBCE6E2DD277}"/>
+              </a:ext>
+            </a:extLst>
+          </p:cNvPr>
+          <p:cNvSpPr txBox="1"/>
+          <p:nvPr/>
+        </p:nvSpPr>
+        <p:spPr>
+          <a:xfrm>
+            <a:off x="297316" y="1828800"/>
+            <a:ext cx="2553904" cy="2120068"/>
+          </a:xfrm>
+          <a:prstGeom prst="rect">
+            <a:avLst/>
+          </a:prstGeom>
+          <a:noFill/>
+        </p:spPr>
+        <p:txBody>
+          <a:bodyPr wrap="none" rtlCol="0">
+            <a:spAutoFit/>
+          </a:bodyPr>
+          <a:lstStyle/>
+          <a:p>
+            <a:pPr algn="l">
+              <a:lnSpc>
+                <a:spcPct val="150000"/>
+              </a:lnSpc>
+            </a:pPr>
+            <a:r>
+              <a:rPr lang="en-US" sz="1800" dirty="0" err="1">
+                <a:solidFill>
+                  <a:schemeClr val="tx1"/>
+                </a:solidFill>
+              </a:rPr>
+              <a:t>maxVolume</a:t>
+            </a:r>
+            <a:r>
+              <a:rPr lang="en-US" sz="1800" dirty="0">
+                <a:solidFill>
+                  <a:schemeClr val="tx1"/>
+                </a:solidFill>
+              </a:rPr>
+              <a:t>=2.5(t)</a:t>
+            </a:r>
+          </a:p>
+          <a:p>
+            <a:pPr algn="l">
+              <a:lnSpc>
+                <a:spcPct val="150000"/>
+              </a:lnSpc>
+            </a:pPr>
+            <a:r>
+              <a:rPr lang="en-US" sz="1800" dirty="0" err="1">
+                <a:solidFill>
+                  <a:schemeClr val="tx1"/>
+                </a:solidFill>
+              </a:rPr>
+              <a:t>macWeight</a:t>
+            </a:r>
+            <a:r>
+              <a:rPr lang="en-US" sz="1800" dirty="0">
+                <a:solidFill>
+                  <a:schemeClr val="tx1"/>
+                </a:solidFill>
+              </a:rPr>
+              <a:t>=16(m</a:t>
+            </a:r>
+            <a:r>
+              <a:rPr lang="en-US" sz="1800" baseline="30000" dirty="0">
+                <a:solidFill>
+                  <a:schemeClr val="tx1"/>
+                </a:solidFill>
+              </a:rPr>
+              <a:t>3)</a:t>
+            </a:r>
+            <a:endParaRPr lang="en-US" sz="1800" dirty="0">
+              <a:solidFill>
+                <a:schemeClr val="tx1"/>
+              </a:solidFill>
             </a:endParaRPr>
+          </a:p>
+          <a:p>
+            <a:pPr algn="l">
+              <a:lnSpc>
+                <a:spcPct val="150000"/>
+              </a:lnSpc>
+            </a:pPr>
+            <a:r>
+              <a:rPr lang="en-US" sz="1800" dirty="0" err="1">
+                <a:solidFill>
+                  <a:schemeClr val="tx1"/>
+                </a:solidFill>
+              </a:rPr>
+              <a:t>driveRange</a:t>
+            </a:r>
+            <a:r>
+              <a:rPr lang="en-US" sz="1800" dirty="0">
+                <a:solidFill>
+                  <a:schemeClr val="tx1"/>
+                </a:solidFill>
+              </a:rPr>
+              <a:t>=120,000(m)</a:t>
+            </a:r>
+          </a:p>
+          <a:p>
+            <a:pPr algn="l">
+              <a:lnSpc>
+                <a:spcPct val="150000"/>
+              </a:lnSpc>
+            </a:pPr>
+            <a:r>
+              <a:rPr lang="en-US" sz="1800" dirty="0" err="1">
+                <a:solidFill>
+                  <a:schemeClr val="tx1"/>
+                </a:solidFill>
+              </a:rPr>
+              <a:t>cargoCostPerUnit</a:t>
+            </a:r>
+            <a:r>
+              <a:rPr lang="en-US" sz="1800" dirty="0">
+                <a:solidFill>
+                  <a:schemeClr val="tx1"/>
+                </a:solidFill>
+              </a:rPr>
+              <a:t>=14$</a:t>
+            </a:r>
+          </a:p>
+          <a:p>
+            <a:pPr algn="l">
+              <a:lnSpc>
+                <a:spcPct val="150000"/>
+              </a:lnSpc>
+            </a:pPr>
+            <a:r>
+              <a:rPr lang="en-US" sz="1800" dirty="0" err="1">
+                <a:solidFill>
+                  <a:schemeClr val="tx1"/>
+                </a:solidFill>
+              </a:rPr>
+              <a:t>vehicleCost</a:t>
+            </a:r>
+            <a:r>
+              <a:rPr lang="en-US" sz="1800" dirty="0">
+                <a:solidFill>
+                  <a:schemeClr val="tx1"/>
+                </a:solidFill>
+              </a:rPr>
+              <a:t>=300$</a:t>
+            </a:r>
           </a:p>
         </p:txBody>
       </p:sp>
     </p:spTree>
     <p:extLst>
       <p:ext uri="{BB962C8B-B14F-4D97-AF65-F5344CB8AC3E}">
-        <p14:creationId xmlns:p14="http://schemas.microsoft.com/office/powerpoint/2010/main" val="1590406127"/>
+        <p14:creationId xmlns:p14="http://schemas.microsoft.com/office/powerpoint/2010/main" val="3537010253"/>
       </p:ext>
     </p:extLst>
   </p:cSld>
@@ -7635,72 +8489,47 @@
           <a:chExt cx="0" cy="0"/>
         </a:xfrm>
       </p:grpSpPr>
-      <p:sp>
-        <p:nvSpPr>
-          <p:cNvPr id="2" name="Title 1">
-            <a:extLst>
-              <a:ext uri="{FF2B5EF4-FFF2-40B4-BE49-F238E27FC236}">
-                <a16:creationId xmlns:a16="http://schemas.microsoft.com/office/drawing/2014/main" id="{E609BDEF-CB22-0D44-9AAF-2AF341FCBD7D}"/>
-              </a:ext>
-            </a:extLst>
-          </p:cNvPr>
-          <p:cNvSpPr>
-            <a:spLocks noGrp="1"/>
-          </p:cNvSpPr>
-          <p:nvPr>
-            <p:ph type="title"/>
-          </p:nvPr>
-        </p:nvSpPr>
-        <p:spPr/>
-        <p:txBody>
-          <a:bodyPr/>
-          <a:lstStyle/>
-          <a:p>
-            <a:r>
-              <a:rPr lang="en-US" dirty="0">
-                <a:latin typeface="Times New Roman" panose="02020603050405020304" pitchFamily="18" charset="0"/>
-                <a:cs typeface="Times New Roman" panose="02020603050405020304" pitchFamily="18" charset="0"/>
-              </a:rPr>
-              <a:t>How we code</a:t>
-            </a:r>
-          </a:p>
-        </p:txBody>
-      </p:sp>
-      <p:sp>
-        <p:nvSpPr>
-          <p:cNvPr id="3" name="Content Placeholder 2">
-            <a:extLst>
-              <a:ext uri="{FF2B5EF4-FFF2-40B4-BE49-F238E27FC236}">
-                <a16:creationId xmlns:a16="http://schemas.microsoft.com/office/drawing/2014/main" id="{0BDCEDBC-80DF-C443-8882-203FDD6A04FC}"/>
-              </a:ext>
-            </a:extLst>
-          </p:cNvPr>
-          <p:cNvSpPr>
-            <a:spLocks noGrp="1"/>
-          </p:cNvSpPr>
+      <p:pic>
+        <p:nvPicPr>
+          <p:cNvPr id="8" name="Content Placeholder 7">
+            <a:extLst>
+              <a:ext uri="{FF2B5EF4-FFF2-40B4-BE49-F238E27FC236}">
+                <a16:creationId xmlns:a16="http://schemas.microsoft.com/office/drawing/2014/main" id="{DF7399EF-C691-1449-A1D9-1FAEA929598B}"/>
+              </a:ext>
+            </a:extLst>
+          </p:cNvPr>
+          <p:cNvPicPr>
+            <a:picLocks noGrp="1" noChangeAspect="1"/>
+          </p:cNvPicPr>
           <p:nvPr>
             <p:ph idx="1"/>
           </p:nvPr>
-        </p:nvSpPr>
-        <p:spPr/>
-        <p:txBody>
-          <a:bodyPr/>
-          <a:lstStyle/>
-          <a:p>
-            <a:pPr lvl="1"/>
-            <a:endParaRPr lang="en-US" dirty="0">
-              <a:latin typeface="Times New Roman" panose="02020603050405020304" pitchFamily="18" charset="0"/>
-              <a:cs typeface="Times New Roman" panose="02020603050405020304" pitchFamily="18" charset="0"/>
-            </a:endParaRPr>
-          </a:p>
-        </p:txBody>
-      </p:sp>
+        </p:nvPicPr>
+        <p:blipFill>
+          <a:blip r:embed="rId2">
+            <a:extLst>
+              <a:ext uri="{28A0092B-C50C-407E-A947-70E740481C1C}">
+                <a14:useLocalDpi xmlns:a14="http://schemas.microsoft.com/office/drawing/2010/main" val="0"/>
+              </a:ext>
+            </a:extLst>
+          </a:blip>
+          <a:stretch>
+            <a:fillRect/>
+          </a:stretch>
+        </p:blipFill>
+        <p:spPr>
+          <a:xfrm>
+            <a:off x="762000" y="1219200"/>
+            <a:ext cx="4748128" cy="1676400"/>
+          </a:xfrm>
+        </p:spPr>
+      </p:pic>
       <p:sp>
         <p:nvSpPr>
           <p:cNvPr id="4" name="Date Placeholder 3">
             <a:extLst>
               <a:ext uri="{FF2B5EF4-FFF2-40B4-BE49-F238E27FC236}">
-                <a16:creationId xmlns:a16="http://schemas.microsoft.com/office/drawing/2014/main" id="{D6A29B40-3E9D-9841-9BFA-53657C7C8BC8}"/>
+                <a16:creationId xmlns:a16="http://schemas.microsoft.com/office/drawing/2014/main" id="{B37AD6BC-DF90-0145-8853-6CE5BDB680E5}"/>
               </a:ext>
             </a:extLst>
           </p:cNvPr>
@@ -7720,14 +8549,10 @@
               <a:defRPr/>
             </a:pPr>
             <a:r>
-              <a:rPr lang="en-US">
-                <a:cs typeface="Times New Roman" panose="02020603050405020304" pitchFamily="18" charset="0"/>
-              </a:rPr>
+              <a:rPr lang="en-US"/>
               <a:t>November 26</a:t>
             </a:r>
-            <a:endParaRPr lang="en-US" dirty="0">
-              <a:cs typeface="Times New Roman" panose="02020603050405020304" pitchFamily="18" charset="0"/>
-            </a:endParaRPr>
+            <a:endParaRPr lang="en-US" dirty="0"/>
           </a:p>
         </p:txBody>
       </p:sp>
@@ -7736,7 +8561,7 @@
           <p:cNvPr id="5" name="Footer Placeholder 4">
             <a:extLst>
               <a:ext uri="{FF2B5EF4-FFF2-40B4-BE49-F238E27FC236}">
-                <a16:creationId xmlns:a16="http://schemas.microsoft.com/office/drawing/2014/main" id="{6D96B1D3-B6EF-934A-875D-748C13B19D0C}"/>
+                <a16:creationId xmlns:a16="http://schemas.microsoft.com/office/drawing/2014/main" id="{F0FAF232-ED08-B846-B812-D67CD68ECF8C}"/>
               </a:ext>
             </a:extLst>
           </p:cNvPr>
@@ -7756,14 +8581,10 @@
               <a:defRPr/>
             </a:pPr>
             <a:r>
-              <a:rPr lang="en-US">
-                <a:cs typeface="Times New Roman" panose="02020603050405020304" pitchFamily="18" charset="0"/>
-              </a:rPr>
+              <a:rPr lang="en-US"/>
               <a:t>IE 526  Final Project</a:t>
             </a:r>
-            <a:endParaRPr lang="en-US" dirty="0">
-              <a:cs typeface="Times New Roman" panose="02020603050405020304" pitchFamily="18" charset="0"/>
-            </a:endParaRPr>
+            <a:endParaRPr lang="en-US" dirty="0"/>
           </a:p>
         </p:txBody>
       </p:sp>
@@ -7772,7 +8593,7 @@
           <p:cNvPr id="6" name="Slide Number Placeholder 5">
             <a:extLst>
               <a:ext uri="{FF2B5EF4-FFF2-40B4-BE49-F238E27FC236}">
-                <a16:creationId xmlns:a16="http://schemas.microsoft.com/office/drawing/2014/main" id="{06D86E0D-E688-4F4D-9F15-8D29A8AEC416}"/>
+                <a16:creationId xmlns:a16="http://schemas.microsoft.com/office/drawing/2014/main" id="{81FE772E-0350-4A4D-B828-F6E3424DBC63}"/>
               </a:ext>
             </a:extLst>
           </p:cNvPr>
@@ -7792,24 +8613,56 @@
               <a:defRPr/>
             </a:pPr>
             <a:fld id="{61875079-2EDC-4E24-99D6-3E823A45791C}" type="slidenum">
-              <a:rPr lang="en-US" smtClean="0">
-                <a:cs typeface="Times New Roman" panose="02020603050405020304" pitchFamily="18" charset="0"/>
-              </a:rPr>
+              <a:rPr lang="en-US" smtClean="0"/>
               <a:pPr>
                 <a:defRPr/>
               </a:pPr>
               <a:t>9</a:t>
             </a:fld>
-            <a:endParaRPr lang="en-US" dirty="0">
-              <a:cs typeface="Times New Roman" panose="02020603050405020304" pitchFamily="18" charset="0"/>
-            </a:endParaRPr>
-          </a:p>
-        </p:txBody>
-      </p:sp>
+            <a:endParaRPr lang="en-US" dirty="0"/>
+          </a:p>
+        </p:txBody>
+      </p:sp>
+      <p:pic>
+        <p:nvPicPr>
+          <p:cNvPr id="10" name="Picture 9">
+            <a:extLst>
+              <a:ext uri="{FF2B5EF4-FFF2-40B4-BE49-F238E27FC236}">
+                <a16:creationId xmlns:a16="http://schemas.microsoft.com/office/drawing/2014/main" id="{867C5F00-7F13-3F49-9708-370275C2FC0A}"/>
+              </a:ext>
+            </a:extLst>
+          </p:cNvPr>
+          <p:cNvPicPr>
+            <a:picLocks noChangeAspect="1"/>
+          </p:cNvPicPr>
+          <p:nvPr/>
+        </p:nvPicPr>
+        <p:blipFill>
+          <a:blip r:embed="rId3">
+            <a:extLst>
+              <a:ext uri="{28A0092B-C50C-407E-A947-70E740481C1C}">
+                <a14:useLocalDpi xmlns:a14="http://schemas.microsoft.com/office/drawing/2010/main" val="0"/>
+              </a:ext>
+            </a:extLst>
+          </a:blip>
+          <a:stretch>
+            <a:fillRect/>
+          </a:stretch>
+        </p:blipFill>
+        <p:spPr>
+          <a:xfrm>
+            <a:off x="762000" y="2986961"/>
+            <a:ext cx="4753679" cy="2956639"/>
+          </a:xfrm>
+          <a:prstGeom prst="rect">
+            <a:avLst/>
+          </a:prstGeom>
+        </p:spPr>
+      </p:pic>
     </p:spTree>
     <p:extLst>
       <p:ext uri="{BB962C8B-B14F-4D97-AF65-F5344CB8AC3E}">
-        <p14:creationId xmlns:p14="http://schemas.microsoft.com/office/powerpoint/2010/main" val="1601205113"/>
+        <p14:creationId xmlns:p14="http://schemas.microsoft.com/office/powerpoint/2010/main" val="3578572261"/>
       </p:ext>
     </p:extLst>
   </p:cSld>
